--- a/Documentation/Class Presentations/Are We There Yet Progress Report 5.pptx
+++ b/Documentation/Class Presentations/Are We There Yet Progress Report 5.pptx
@@ -212,7 +212,7 @@
           <a:p>
             <a:fld id="{5100B550-8147-4EFB-BDDB-A2C6678EA078}" type="datetimeFigureOut">
               <a:rPr lang="en-US" smtClean="0"/>
-              <a:t>10/20/2014</a:t>
+              <a:t>10/21/2014</a:t>
             </a:fld>
             <a:endParaRPr lang="en-US"/>
           </a:p>
@@ -663,7 +663,7 @@
           <a:p>
             <a:fld id="{CB9F1CF6-725C-498E-90E8-68E51A92BA47}" type="datetime1">
               <a:rPr lang="en-US" smtClean="0"/>
-              <a:t>10/20/2014</a:t>
+              <a:t>10/21/2014</a:t>
             </a:fld>
             <a:endParaRPr lang="en-US"/>
           </a:p>
@@ -939,7 +939,7 @@
           <a:p>
             <a:fld id="{76268ABB-1507-44DF-AF0F-F44BE571CFCA}" type="datetime1">
               <a:rPr lang="en-US" smtClean="0"/>
-              <a:t>10/20/2014</a:t>
+              <a:t>10/21/2014</a:t>
             </a:fld>
             <a:endParaRPr lang="en-US"/>
           </a:p>
@@ -1135,7 +1135,7 @@
           <a:p>
             <a:fld id="{76268ABB-1507-44DF-AF0F-F44BE571CFCA}" type="datetime1">
               <a:rPr lang="en-US" smtClean="0"/>
-              <a:t>10/20/2014</a:t>
+              <a:t>10/21/2014</a:t>
             </a:fld>
             <a:endParaRPr lang="en-US"/>
           </a:p>
@@ -1405,7 +1405,7 @@
           <a:p>
             <a:fld id="{76268ABB-1507-44DF-AF0F-F44BE571CFCA}" type="datetime1">
               <a:rPr lang="en-US" smtClean="0"/>
-              <a:t>10/20/2014</a:t>
+              <a:t>10/21/2014</a:t>
             </a:fld>
             <a:endParaRPr lang="en-US"/>
           </a:p>
@@ -1739,7 +1739,7 @@
           <a:p>
             <a:fld id="{76268ABB-1507-44DF-AF0F-F44BE571CFCA}" type="datetime1">
               <a:rPr lang="en-US" smtClean="0"/>
-              <a:t>10/20/2014</a:t>
+              <a:t>10/21/2014</a:t>
             </a:fld>
             <a:endParaRPr lang="en-US"/>
           </a:p>
@@ -2351,7 +2351,7 @@
           <a:p>
             <a:fld id="{76268ABB-1507-44DF-AF0F-F44BE571CFCA}" type="datetime1">
               <a:rPr lang="en-US" smtClean="0"/>
-              <a:t>10/20/2014</a:t>
+              <a:t>10/21/2014</a:t>
             </a:fld>
             <a:endParaRPr lang="en-US"/>
           </a:p>
@@ -3200,7 +3200,7 @@
           <a:p>
             <a:fld id="{76268ABB-1507-44DF-AF0F-F44BE571CFCA}" type="datetime1">
               <a:rPr lang="en-US" smtClean="0"/>
-              <a:t>10/20/2014</a:t>
+              <a:t>10/21/2014</a:t>
             </a:fld>
             <a:endParaRPr lang="en-US"/>
           </a:p>
@@ -3372,7 +3372,7 @@
           <a:p>
             <a:fld id="{D89CA44C-9F78-4495-B86C-AD0E42505C83}" type="datetime1">
               <a:rPr lang="en-US" smtClean="0"/>
-              <a:t>10/20/2014</a:t>
+              <a:t>10/21/2014</a:t>
             </a:fld>
             <a:endParaRPr lang="en-US"/>
           </a:p>
@@ -3553,7 +3553,7 @@
           <a:p>
             <a:fld id="{65F41DAD-6DCF-4508-9598-5324357E354C}" type="datetime1">
               <a:rPr lang="en-US" smtClean="0"/>
-              <a:t>10/20/2014</a:t>
+              <a:t>10/21/2014</a:t>
             </a:fld>
             <a:endParaRPr lang="en-US"/>
           </a:p>
@@ -3724,7 +3724,7 @@
           <a:p>
             <a:fld id="{44B1A932-2141-4C07-97A2-E522E3DD7992}" type="datetime1">
               <a:rPr lang="en-US" smtClean="0"/>
-              <a:t>10/20/2014</a:t>
+              <a:t>10/21/2014</a:t>
             </a:fld>
             <a:endParaRPr lang="en-US"/>
           </a:p>
@@ -3969,7 +3969,7 @@
           <a:p>
             <a:fld id="{9839DB4D-8F89-4196-B83E-0DA096C6E031}" type="datetime1">
               <a:rPr lang="en-US" smtClean="0"/>
-              <a:t>10/20/2014</a:t>
+              <a:t>10/21/2014</a:t>
             </a:fld>
             <a:endParaRPr lang="en-US"/>
           </a:p>
@@ -4262,7 +4262,7 @@
           <a:p>
             <a:fld id="{77F88A12-B18E-466F-972E-65177A5FA075}" type="datetime1">
               <a:rPr lang="en-US" smtClean="0"/>
-              <a:t>10/20/2014</a:t>
+              <a:t>10/21/2014</a:t>
             </a:fld>
             <a:endParaRPr lang="en-US"/>
           </a:p>
@@ -4701,7 +4701,7 @@
           <a:p>
             <a:fld id="{AB2A6C8F-CA1B-48E8-AF2A-778279EEA27F}" type="datetime1">
               <a:rPr lang="en-US" smtClean="0"/>
-              <a:t>10/20/2014</a:t>
+              <a:t>10/21/2014</a:t>
             </a:fld>
             <a:endParaRPr lang="en-US"/>
           </a:p>
@@ -4820,7 +4820,7 @@
           <a:p>
             <a:fld id="{2FA168FE-C088-40AF-8F97-AF6BCA5D7323}" type="datetime1">
               <a:rPr lang="en-US" smtClean="0"/>
-              <a:t>10/20/2014</a:t>
+              <a:t>10/21/2014</a:t>
             </a:fld>
             <a:endParaRPr lang="en-US"/>
           </a:p>
@@ -4916,7 +4916,7 @@
           <a:p>
             <a:fld id="{CABA2035-F209-4077-9C2E-01D26D4B2F2B}" type="datetime1">
               <a:rPr lang="en-US" smtClean="0"/>
-              <a:t>10/20/2014</a:t>
+              <a:t>10/21/2014</a:t>
             </a:fld>
             <a:endParaRPr lang="en-US"/>
           </a:p>
@@ -5196,7 +5196,7 @@
           <a:p>
             <a:fld id="{713CAC95-918F-4305-AA5F-8034258AA91B}" type="datetime1">
               <a:rPr lang="en-US" smtClean="0"/>
-              <a:t>10/20/2014</a:t>
+              <a:t>10/21/2014</a:t>
             </a:fld>
             <a:endParaRPr lang="en-US"/>
           </a:p>
@@ -5472,7 +5472,7 @@
           <a:p>
             <a:fld id="{01ABFCEF-BEE6-4C5E-8BF9-C4D48BB387BA}" type="datetime1">
               <a:rPr lang="en-US" smtClean="0"/>
-              <a:t>10/20/2014</a:t>
+              <a:t>10/21/2014</a:t>
             </a:fld>
             <a:endParaRPr lang="en-US"/>
           </a:p>
@@ -6038,7 +6038,7 @@
           <a:p>
             <a:fld id="{76268ABB-1507-44DF-AF0F-F44BE571CFCA}" type="datetime1">
               <a:rPr lang="en-US" smtClean="0"/>
-              <a:t>10/20/2014</a:t>
+              <a:t>10/21/2014</a:t>
             </a:fld>
             <a:endParaRPr lang="en-US"/>
           </a:p>
@@ -6581,11 +6581,7 @@
           <a:p>
             <a:r>
               <a:rPr lang="en-US" dirty="0" smtClean="0"/>
-              <a:t>Progress Report </a:t>
-            </a:r>
-            <a:r>
-              <a:rPr lang="en-US" dirty="0" smtClean="0"/>
-              <a:t>5</a:t>
+              <a:t>Progress Report 5</a:t>
             </a:r>
             <a:endParaRPr lang="en-US" dirty="0"/>
           </a:p>
@@ -6692,26 +6688,14 @@
           <a:p>
             <a:r>
               <a:rPr lang="en-US" dirty="0" smtClean="0"/>
-              <a:t>Post Mortem </a:t>
-            </a:r>
+              <a:t>Post Mortem 3</a:t>
+            </a:r>
+            <a:endParaRPr lang="en-US" dirty="0"/>
+          </a:p>
+          <a:p>
             <a:r>
               <a:rPr lang="en-US" dirty="0" smtClean="0"/>
-              <a:t>3</a:t>
-            </a:r>
-            <a:endParaRPr lang="en-US" dirty="0"/>
-          </a:p>
-          <a:p>
-            <a:r>
-              <a:rPr lang="en-US" dirty="0" smtClean="0"/>
-              <a:t>Sprint </a:t>
-            </a:r>
-            <a:r>
-              <a:rPr lang="en-US" dirty="0" smtClean="0"/>
-              <a:t>4 </a:t>
-            </a:r>
-            <a:r>
-              <a:rPr lang="en-US" dirty="0" smtClean="0"/>
-              <a:t>Backlog</a:t>
+              <a:t>Sprint 4 Backlog</a:t>
             </a:r>
           </a:p>
           <a:p>
@@ -6719,7 +6703,6 @@
               <a:rPr lang="en-US" dirty="0" smtClean="0"/>
               <a:t>Budget</a:t>
             </a:r>
-            <a:endParaRPr lang="en-US" dirty="0" smtClean="0"/>
           </a:p>
         </p:txBody>
       </p:sp>
@@ -6830,7 +6813,6 @@
               <a:rPr lang="en-US" dirty="0" smtClean="0"/>
               <a:t>rototyping</a:t>
             </a:r>
-            <a:endParaRPr lang="en-US" dirty="0" smtClean="0"/>
           </a:p>
           <a:p>
             <a:endParaRPr lang="en-US" dirty="0"/>
@@ -6950,11 +6932,7 @@
           <a:p>
             <a:r>
               <a:rPr lang="en-US" dirty="0" smtClean="0"/>
-              <a:t>Level </a:t>
-            </a:r>
-            <a:r>
-              <a:rPr lang="en-US" dirty="0" smtClean="0"/>
-              <a:t>2 Requirements</a:t>
+              <a:t>Level 2 Requirements</a:t>
             </a:r>
           </a:p>
         </p:txBody>
@@ -7079,17 +7057,17 @@
               <a:rPr lang="en-US" dirty="0" smtClean="0"/>
               <a:t>Brian S. </a:t>
             </a:r>
-          </a:p>
-          <a:p>
             <a:r>
               <a:rPr lang="en-US" dirty="0" smtClean="0"/>
-              <a:t>Michael P. </a:t>
-            </a:r>
+              <a:t>arm design and movement</a:t>
+            </a:r>
+            <a:endParaRPr lang="en-US" dirty="0" smtClean="0"/>
+          </a:p>
+          <a:p>
             <a:r>
               <a:rPr lang="en-US" dirty="0" smtClean="0"/>
-              <a:t>Etch-A-Sketch software</a:t>
-            </a:r>
-            <a:endParaRPr lang="en-US" dirty="0" smtClean="0"/>
+              <a:t>Michael P. Etch-A-Sketch software</a:t>
+            </a:r>
           </a:p>
           <a:p>
             <a:endParaRPr lang="en-US" dirty="0"/>
